--- a/Mutilple-linear-regression/column_space.pptx
+++ b/Mutilple-linear-regression/column_space.pptx
@@ -2995,11 +2995,13 @@
             <a:avLst/>
           </a:prstGeom>
           <a:solidFill>
-            <a:schemeClr val="accent1">
-              <a:lumMod val="20000"/>
-              <a:lumOff val="80000"/>
-            </a:schemeClr>
+            <a:schemeClr val="bg1"/>
           </a:solidFill>
+          <a:ln w="19050">
+            <a:solidFill>
+              <a:schemeClr val="tx1"/>
+            </a:solidFill>
+          </a:ln>
         </p:spPr>
         <p:style>
           <a:lnRef idx="2">
@@ -3184,8 +3186,8 @@
           </a:p>
         </p:txBody>
       </p:sp>
-      <mc:AlternateContent xmlns:mc="http://schemas.openxmlformats.org/markup-compatibility/2006">
-        <mc:Choice xmlns:a14="http://schemas.microsoft.com/office/drawing/2010/main" Requires="a14">
+      <mc:AlternateContent xmlns:mc="http://schemas.openxmlformats.org/markup-compatibility/2006" xmlns:a14="http://schemas.microsoft.com/office/drawing/2010/main">
+        <mc:Choice Requires="a14">
           <p:sp>
             <p:nvSpPr>
               <p:cNvPr id="18" name="文字方塊 17"/>
@@ -3208,6 +3210,7 @@
               </a:bodyPr>
               <a:lstStyle/>
               <a:p>
+                <a:pPr/>
                 <a14:m>
                   <m:oMathPara xmlns:m="http://schemas.openxmlformats.org/officeDocument/2006/math">
                     <m:oMathParaPr>
@@ -3228,7 +3231,7 @@
             </p:txBody>
           </p:sp>
         </mc:Choice>
-        <mc:Fallback>
+        <mc:Fallback xmlns="">
           <p:sp>
             <p:nvSpPr>
               <p:cNvPr id="18" name="文字方塊 17"/>
@@ -3267,8 +3270,8 @@
           </p:sp>
         </mc:Fallback>
       </mc:AlternateContent>
-      <mc:AlternateContent xmlns:mc="http://schemas.openxmlformats.org/markup-compatibility/2006">
-        <mc:Choice xmlns:a14="http://schemas.microsoft.com/office/drawing/2010/main" Requires="a14">
+      <mc:AlternateContent xmlns:mc="http://schemas.openxmlformats.org/markup-compatibility/2006" xmlns:a14="http://schemas.microsoft.com/office/drawing/2010/main">
+        <mc:Choice Requires="a14">
           <p:sp>
             <p:nvSpPr>
               <p:cNvPr id="19" name="文字方塊 18"/>
@@ -3291,6 +3294,7 @@
               </a:bodyPr>
               <a:lstStyle/>
               <a:p>
+                <a:pPr/>
                 <a14:m>
                   <m:oMathPara xmlns:m="http://schemas.openxmlformats.org/officeDocument/2006/math">
                     <m:oMathParaPr>
@@ -3330,7 +3334,7 @@
             </p:txBody>
           </p:sp>
         </mc:Choice>
-        <mc:Fallback>
+        <mc:Fallback xmlns="">
           <p:sp>
             <p:nvSpPr>
               <p:cNvPr id="19" name="文字方塊 18"/>
@@ -3369,8 +3373,8 @@
           </p:sp>
         </mc:Fallback>
       </mc:AlternateContent>
-      <mc:AlternateContent xmlns:mc="http://schemas.openxmlformats.org/markup-compatibility/2006">
-        <mc:Choice xmlns:a14="http://schemas.microsoft.com/office/drawing/2010/main" Requires="a14">
+      <mc:AlternateContent xmlns:mc="http://schemas.openxmlformats.org/markup-compatibility/2006" xmlns:a14="http://schemas.microsoft.com/office/drawing/2010/main">
+        <mc:Choice Requires="a14">
           <p:sp>
             <p:nvSpPr>
               <p:cNvPr id="20" name="文字方塊 19"/>
@@ -3393,6 +3397,7 @@
               </a:bodyPr>
               <a:lstStyle/>
               <a:p>
+                <a:pPr/>
                 <a14:m>
                   <m:oMathPara xmlns:m="http://schemas.openxmlformats.org/officeDocument/2006/math">
                     <m:oMathParaPr>
@@ -3444,7 +3449,7 @@
             </p:txBody>
           </p:sp>
         </mc:Choice>
-        <mc:Fallback>
+        <mc:Fallback xmlns="">
           <p:sp>
             <p:nvSpPr>
               <p:cNvPr id="20" name="文字方塊 19"/>
